--- a/DAIS_ppt_template_grey.pptx
+++ b/DAIS_ppt_template_grey.pptx
@@ -319,6 +319,9 @@
     <p:ext uri="{EFAFB233-063F-42B5-8137-9DF3F51BA10A}">
       <p15:sldGuideLst xmlns:p15="http://schemas.microsoft.com/office/powerpoint/2012/main"/>
     </p:ext>
+    <p:ext uri="{2D200454-40CA-4A62-9FC3-DE9A4176ACB9}">
+      <p15:notesGuideLst xmlns:p15="http://schemas.microsoft.com/office/powerpoint/2012/main"/>
+    </p:ext>
   </p:extLst>
 </p:presentation>
 </file>
@@ -1147,7 +1150,7 @@
           </a:ln>
           <a:extLst>
             <a:ext uri="{C572A759-6A51-4108-AA02-DFA0A04FC94B}">
-              <ma14:wrappingTextBoxFlag xmlns:ma14="http://schemas.microsoft.com/office/mac/drawingml/2011/main" xmlns:a14="http://schemas.microsoft.com/office/drawing/2010/main" xmlns:m="http://schemas.openxmlformats.org/officeDocument/2006/math" xmlns="" val="1"/>
+              <ma14:wrappingTextBoxFlag xmlns="" xmlns:m="http://schemas.openxmlformats.org/officeDocument/2006/math" xmlns:a14="http://schemas.microsoft.com/office/drawing/2010/main" xmlns:ma14="http://schemas.microsoft.com/office/mac/drawingml/2011/main" val="1"/>
             </a:ext>
           </a:extLst>
         </p:spPr>
@@ -1221,7 +1224,7 @@
           </a:ln>
           <a:extLst>
             <a:ext uri="{C572A759-6A51-4108-AA02-DFA0A04FC94B}">
-              <ma14:wrappingTextBoxFlag xmlns:ma14="http://schemas.microsoft.com/office/mac/drawingml/2011/main" xmlns:a14="http://schemas.microsoft.com/office/drawing/2010/main" xmlns:m="http://schemas.openxmlformats.org/officeDocument/2006/math" xmlns="" val="1"/>
+              <ma14:wrappingTextBoxFlag xmlns="" xmlns:m="http://schemas.openxmlformats.org/officeDocument/2006/math" xmlns:a14="http://schemas.microsoft.com/office/drawing/2010/main" xmlns:ma14="http://schemas.microsoft.com/office/mac/drawingml/2011/main" val="1"/>
             </a:ext>
           </a:extLst>
         </p:spPr>
@@ -1295,7 +1298,7 @@
           </a:ln>
           <a:extLst>
             <a:ext uri="{C572A759-6A51-4108-AA02-DFA0A04FC94B}">
-              <ma14:wrappingTextBoxFlag xmlns:ma14="http://schemas.microsoft.com/office/mac/drawingml/2011/main" xmlns:a14="http://schemas.microsoft.com/office/drawing/2010/main" xmlns:m="http://schemas.openxmlformats.org/officeDocument/2006/math" xmlns="" val="1"/>
+              <ma14:wrappingTextBoxFlag xmlns="" xmlns:m="http://schemas.openxmlformats.org/officeDocument/2006/math" xmlns:a14="http://schemas.microsoft.com/office/drawing/2010/main" xmlns:ma14="http://schemas.microsoft.com/office/mac/drawingml/2011/main" val="1"/>
             </a:ext>
           </a:extLst>
         </p:spPr>
@@ -1369,7 +1372,7 @@
           </a:ln>
           <a:extLst>
             <a:ext uri="{C572A759-6A51-4108-AA02-DFA0A04FC94B}">
-              <ma14:wrappingTextBoxFlag xmlns:ma14="http://schemas.microsoft.com/office/mac/drawingml/2011/main" xmlns:a14="http://schemas.microsoft.com/office/drawing/2010/main" xmlns:m="http://schemas.openxmlformats.org/officeDocument/2006/math" xmlns="" val="1"/>
+              <ma14:wrappingTextBoxFlag xmlns="" xmlns:m="http://schemas.openxmlformats.org/officeDocument/2006/math" xmlns:a14="http://schemas.microsoft.com/office/drawing/2010/main" xmlns:ma14="http://schemas.microsoft.com/office/mac/drawingml/2011/main" val="1"/>
             </a:ext>
           </a:extLst>
         </p:spPr>
@@ -1443,7 +1446,7 @@
           </a:ln>
           <a:extLst>
             <a:ext uri="{C572A759-6A51-4108-AA02-DFA0A04FC94B}">
-              <ma14:wrappingTextBoxFlag xmlns:ma14="http://schemas.microsoft.com/office/mac/drawingml/2011/main" xmlns:a14="http://schemas.microsoft.com/office/drawing/2010/main" xmlns:m="http://schemas.openxmlformats.org/officeDocument/2006/math" xmlns="" val="1"/>
+              <ma14:wrappingTextBoxFlag xmlns="" xmlns:m="http://schemas.openxmlformats.org/officeDocument/2006/math" xmlns:a14="http://schemas.microsoft.com/office/drawing/2010/main" xmlns:ma14="http://schemas.microsoft.com/office/mac/drawingml/2011/main" val="1"/>
             </a:ext>
           </a:extLst>
         </p:spPr>
@@ -1509,7 +1512,7 @@
           </a:ln>
           <a:extLst>
             <a:ext uri="{C572A759-6A51-4108-AA02-DFA0A04FC94B}">
-              <ma14:wrappingTextBoxFlag xmlns:ma14="http://schemas.microsoft.com/office/mac/drawingml/2011/main" xmlns:a14="http://schemas.microsoft.com/office/drawing/2010/main" xmlns:m="http://schemas.openxmlformats.org/officeDocument/2006/math" xmlns="" val="1"/>
+              <ma14:wrappingTextBoxFlag xmlns="" xmlns:m="http://schemas.openxmlformats.org/officeDocument/2006/math" xmlns:a14="http://schemas.microsoft.com/office/drawing/2010/main" xmlns:ma14="http://schemas.microsoft.com/office/mac/drawingml/2011/main" val="1"/>
             </a:ext>
           </a:extLst>
         </p:spPr>
@@ -2290,7 +2293,7 @@
           </a:ln>
           <a:extLst>
             <a:ext uri="{C572A759-6A51-4108-AA02-DFA0A04FC94B}">
-              <ma14:wrappingTextBoxFlag xmlns:ma14="http://schemas.microsoft.com/office/mac/drawingml/2011/main" xmlns:a14="http://schemas.microsoft.com/office/drawing/2010/main" xmlns:m="http://schemas.openxmlformats.org/officeDocument/2006/math" xmlns="" val="1"/>
+              <ma14:wrappingTextBoxFlag xmlns="" xmlns:m="http://schemas.openxmlformats.org/officeDocument/2006/math" xmlns:a14="http://schemas.microsoft.com/office/drawing/2010/main" xmlns:ma14="http://schemas.microsoft.com/office/mac/drawingml/2011/main" val="1"/>
             </a:ext>
           </a:extLst>
         </p:spPr>
@@ -2364,7 +2367,7 @@
           </a:ln>
           <a:extLst>
             <a:ext uri="{C572A759-6A51-4108-AA02-DFA0A04FC94B}">
-              <ma14:wrappingTextBoxFlag xmlns:ma14="http://schemas.microsoft.com/office/mac/drawingml/2011/main" xmlns:a14="http://schemas.microsoft.com/office/drawing/2010/main" xmlns:m="http://schemas.openxmlformats.org/officeDocument/2006/math" xmlns="" val="1"/>
+              <ma14:wrappingTextBoxFlag xmlns="" xmlns:m="http://schemas.openxmlformats.org/officeDocument/2006/math" xmlns:a14="http://schemas.microsoft.com/office/drawing/2010/main" xmlns:ma14="http://schemas.microsoft.com/office/mac/drawingml/2011/main" val="1"/>
             </a:ext>
           </a:extLst>
         </p:spPr>
@@ -2438,7 +2441,7 @@
           </a:ln>
           <a:extLst>
             <a:ext uri="{C572A759-6A51-4108-AA02-DFA0A04FC94B}">
-              <ma14:wrappingTextBoxFlag xmlns:ma14="http://schemas.microsoft.com/office/mac/drawingml/2011/main" xmlns:a14="http://schemas.microsoft.com/office/drawing/2010/main" xmlns:m="http://schemas.openxmlformats.org/officeDocument/2006/math" xmlns="" val="1"/>
+              <ma14:wrappingTextBoxFlag xmlns="" xmlns:m="http://schemas.openxmlformats.org/officeDocument/2006/math" xmlns:a14="http://schemas.microsoft.com/office/drawing/2010/main" xmlns:ma14="http://schemas.microsoft.com/office/mac/drawingml/2011/main" val="1"/>
             </a:ext>
           </a:extLst>
         </p:spPr>
@@ -2512,7 +2515,7 @@
           </a:ln>
           <a:extLst>
             <a:ext uri="{C572A759-6A51-4108-AA02-DFA0A04FC94B}">
-              <ma14:wrappingTextBoxFlag xmlns:ma14="http://schemas.microsoft.com/office/mac/drawingml/2011/main" xmlns:a14="http://schemas.microsoft.com/office/drawing/2010/main" xmlns:m="http://schemas.openxmlformats.org/officeDocument/2006/math" xmlns="" val="1"/>
+              <ma14:wrappingTextBoxFlag xmlns="" xmlns:m="http://schemas.openxmlformats.org/officeDocument/2006/math" xmlns:a14="http://schemas.microsoft.com/office/drawing/2010/main" xmlns:ma14="http://schemas.microsoft.com/office/mac/drawingml/2011/main" val="1"/>
             </a:ext>
           </a:extLst>
         </p:spPr>
@@ -2586,7 +2589,7 @@
           </a:ln>
           <a:extLst>
             <a:ext uri="{C572A759-6A51-4108-AA02-DFA0A04FC94B}">
-              <ma14:wrappingTextBoxFlag xmlns:ma14="http://schemas.microsoft.com/office/mac/drawingml/2011/main" xmlns:a14="http://schemas.microsoft.com/office/drawing/2010/main" xmlns:m="http://schemas.openxmlformats.org/officeDocument/2006/math" xmlns="" val="1"/>
+              <ma14:wrappingTextBoxFlag xmlns="" xmlns:m="http://schemas.openxmlformats.org/officeDocument/2006/math" xmlns:a14="http://schemas.microsoft.com/office/drawing/2010/main" xmlns:ma14="http://schemas.microsoft.com/office/mac/drawingml/2011/main" val="1"/>
             </a:ext>
           </a:extLst>
         </p:spPr>
@@ -2897,7 +2900,7 @@
           </a:ln>
           <a:extLst>
             <a:ext uri="{C572A759-6A51-4108-AA02-DFA0A04FC94B}">
-              <ma14:wrappingTextBoxFlag xmlns:ma14="http://schemas.microsoft.com/office/mac/drawingml/2011/main" xmlns:a14="http://schemas.microsoft.com/office/drawing/2010/main" xmlns:m="http://schemas.openxmlformats.org/officeDocument/2006/math" xmlns="" val="1"/>
+              <ma14:wrappingTextBoxFlag xmlns="" xmlns:m="http://schemas.openxmlformats.org/officeDocument/2006/math" xmlns:a14="http://schemas.microsoft.com/office/drawing/2010/main" xmlns:ma14="http://schemas.microsoft.com/office/mac/drawingml/2011/main" val="1"/>
             </a:ext>
           </a:extLst>
         </p:spPr>
@@ -3016,7 +3019,7 @@
           </a:ln>
           <a:extLst>
             <a:ext uri="{C572A759-6A51-4108-AA02-DFA0A04FC94B}">
-              <ma14:wrappingTextBoxFlag xmlns:ma14="http://schemas.microsoft.com/office/mac/drawingml/2011/main" xmlns:a14="http://schemas.microsoft.com/office/drawing/2010/main" xmlns:m="http://schemas.openxmlformats.org/officeDocument/2006/math" xmlns="" val="1"/>
+              <ma14:wrappingTextBoxFlag xmlns="" xmlns:m="http://schemas.openxmlformats.org/officeDocument/2006/math" xmlns:a14="http://schemas.microsoft.com/office/drawing/2010/main" xmlns:ma14="http://schemas.microsoft.com/office/mac/drawingml/2011/main" val="1"/>
             </a:ext>
           </a:extLst>
         </p:spPr>
@@ -3597,7 +3600,7 @@
           </a:ln>
           <a:extLst>
             <a:ext uri="{C572A759-6A51-4108-AA02-DFA0A04FC94B}">
-              <ma14:wrappingTextBoxFlag xmlns="" xmlns:m="http://schemas.openxmlformats.org/officeDocument/2006/math" xmlns:a14="http://schemas.microsoft.com/office/drawing/2010/main" xmlns:ma14="http://schemas.microsoft.com/office/mac/drawingml/2011/main" val="1"/>
+              <ma14:wrappingTextBoxFlag xmlns:ma14="http://schemas.microsoft.com/office/mac/drawingml/2011/main" xmlns:a14="http://schemas.microsoft.com/office/drawing/2010/main" xmlns:m="http://schemas.openxmlformats.org/officeDocument/2006/math" xmlns="" val="1"/>
             </a:ext>
           </a:extLst>
         </p:spPr>
@@ -3702,7 +3705,7 @@
           </a:ln>
           <a:extLst>
             <a:ext uri="{C572A759-6A51-4108-AA02-DFA0A04FC94B}">
-              <ma14:wrappingTextBoxFlag xmlns="" xmlns:m="http://schemas.openxmlformats.org/officeDocument/2006/math" xmlns:a14="http://schemas.microsoft.com/office/drawing/2010/main" xmlns:ma14="http://schemas.microsoft.com/office/mac/drawingml/2011/main" val="1"/>
+              <ma14:wrappingTextBoxFlag xmlns:ma14="http://schemas.microsoft.com/office/mac/drawingml/2011/main" xmlns:a14="http://schemas.microsoft.com/office/drawing/2010/main" xmlns:m="http://schemas.openxmlformats.org/officeDocument/2006/math" xmlns="" val="1"/>
             </a:ext>
           </a:extLst>
         </p:spPr>
@@ -3807,7 +3810,7 @@
           </a:ln>
           <a:extLst>
             <a:ext uri="{C572A759-6A51-4108-AA02-DFA0A04FC94B}">
-              <ma14:wrappingTextBoxFlag xmlns="" xmlns:m="http://schemas.openxmlformats.org/officeDocument/2006/math" xmlns:a14="http://schemas.microsoft.com/office/drawing/2010/main" xmlns:ma14="http://schemas.microsoft.com/office/mac/drawingml/2011/main" val="1"/>
+              <ma14:wrappingTextBoxFlag xmlns:ma14="http://schemas.microsoft.com/office/mac/drawingml/2011/main" xmlns:a14="http://schemas.microsoft.com/office/drawing/2010/main" xmlns:m="http://schemas.openxmlformats.org/officeDocument/2006/math" xmlns="" val="1"/>
             </a:ext>
           </a:extLst>
         </p:spPr>
@@ -3912,7 +3915,7 @@
           </a:ln>
           <a:extLst>
             <a:ext uri="{C572A759-6A51-4108-AA02-DFA0A04FC94B}">
-              <ma14:wrappingTextBoxFlag xmlns="" xmlns:m="http://schemas.openxmlformats.org/officeDocument/2006/math" xmlns:a14="http://schemas.microsoft.com/office/drawing/2010/main" xmlns:ma14="http://schemas.microsoft.com/office/mac/drawingml/2011/main" val="1"/>
+              <ma14:wrappingTextBoxFlag xmlns:ma14="http://schemas.microsoft.com/office/mac/drawingml/2011/main" xmlns:a14="http://schemas.microsoft.com/office/drawing/2010/main" xmlns:m="http://schemas.openxmlformats.org/officeDocument/2006/math" xmlns="" val="1"/>
             </a:ext>
           </a:extLst>
         </p:spPr>
@@ -4017,7 +4020,7 @@
           </a:ln>
           <a:extLst>
             <a:ext uri="{C572A759-6A51-4108-AA02-DFA0A04FC94B}">
-              <ma14:wrappingTextBoxFlag xmlns="" xmlns:m="http://schemas.openxmlformats.org/officeDocument/2006/math" xmlns:a14="http://schemas.microsoft.com/office/drawing/2010/main" xmlns:ma14="http://schemas.microsoft.com/office/mac/drawingml/2011/main" val="1"/>
+              <ma14:wrappingTextBoxFlag xmlns:ma14="http://schemas.microsoft.com/office/mac/drawingml/2011/main" xmlns:a14="http://schemas.microsoft.com/office/drawing/2010/main" xmlns:m="http://schemas.openxmlformats.org/officeDocument/2006/math" xmlns="" val="1"/>
             </a:ext>
           </a:extLst>
         </p:spPr>
@@ -4352,7 +4355,7 @@
           </a:ln>
           <a:extLst>
             <a:ext uri="{C572A759-6A51-4108-AA02-DFA0A04FC94B}">
-              <ma14:wrappingTextBoxFlag xmlns="" xmlns:m="http://schemas.openxmlformats.org/officeDocument/2006/math" xmlns:a14="http://schemas.microsoft.com/office/drawing/2010/main" xmlns:ma14="http://schemas.microsoft.com/office/mac/drawingml/2011/main" val="1"/>
+              <ma14:wrappingTextBoxFlag xmlns:ma14="http://schemas.microsoft.com/office/mac/drawingml/2011/main" xmlns:a14="http://schemas.microsoft.com/office/drawing/2010/main" xmlns:m="http://schemas.openxmlformats.org/officeDocument/2006/math" xmlns="" val="1"/>
             </a:ext>
           </a:extLst>
         </p:spPr>
@@ -4508,7 +4511,7 @@
           </a:ln>
           <a:extLst>
             <a:ext uri="{C572A759-6A51-4108-AA02-DFA0A04FC94B}">
-              <ma14:wrappingTextBoxFlag xmlns="" xmlns:m="http://schemas.openxmlformats.org/officeDocument/2006/math" xmlns:a14="http://schemas.microsoft.com/office/drawing/2010/main" xmlns:ma14="http://schemas.microsoft.com/office/mac/drawingml/2011/main" val="1"/>
+              <ma14:wrappingTextBoxFlag xmlns:ma14="http://schemas.microsoft.com/office/mac/drawingml/2011/main" xmlns:a14="http://schemas.microsoft.com/office/drawing/2010/main" xmlns:m="http://schemas.openxmlformats.org/officeDocument/2006/math" xmlns="" val="1"/>
             </a:ext>
           </a:extLst>
         </p:spPr>
@@ -4779,7 +4782,7 @@
           </a:ln>
           <a:extLst>
             <a:ext uri="{C572A759-6A51-4108-AA02-DFA0A04FC94B}">
-              <ma14:wrappingTextBoxFlag xmlns="" xmlns:m="http://schemas.openxmlformats.org/officeDocument/2006/math" xmlns:a14="http://schemas.microsoft.com/office/drawing/2010/main" xmlns:ma14="http://schemas.microsoft.com/office/mac/drawingml/2011/main" val="1"/>
+              <ma14:wrappingTextBoxFlag xmlns:ma14="http://schemas.microsoft.com/office/mac/drawingml/2011/main" xmlns:a14="http://schemas.microsoft.com/office/drawing/2010/main" xmlns:m="http://schemas.openxmlformats.org/officeDocument/2006/math" xmlns="" val="1"/>
             </a:ext>
           </a:extLst>
         </p:spPr>
@@ -5386,7 +5389,7 @@
           </a:ln>
           <a:extLst>
             <a:ext uri="{C572A759-6A51-4108-AA02-DFA0A04FC94B}">
-              <ma14:wrappingTextBoxFlag xmlns:ma14="http://schemas.microsoft.com/office/mac/drawingml/2011/main" xmlns:a14="http://schemas.microsoft.com/office/drawing/2010/main" xmlns:m="http://schemas.openxmlformats.org/officeDocument/2006/math" xmlns="" val="1"/>
+              <ma14:wrappingTextBoxFlag xmlns="" xmlns:m="http://schemas.openxmlformats.org/officeDocument/2006/math" xmlns:a14="http://schemas.microsoft.com/office/drawing/2010/main" xmlns:ma14="http://schemas.microsoft.com/office/mac/drawingml/2011/main" val="1"/>
             </a:ext>
           </a:extLst>
         </p:spPr>
@@ -6496,7 +6499,7 @@
           </a:ln>
           <a:extLst>
             <a:ext uri="{C572A759-6A51-4108-AA02-DFA0A04FC94B}">
-              <ma14:wrappingTextBoxFlag xmlns:ma14="http://schemas.microsoft.com/office/mac/drawingml/2011/main" xmlns:a14="http://schemas.microsoft.com/office/drawing/2010/main" xmlns:m="http://schemas.openxmlformats.org/officeDocument/2006/math" xmlns="" val="1"/>
+              <ma14:wrappingTextBoxFlag xmlns="" xmlns:m="http://schemas.openxmlformats.org/officeDocument/2006/math" xmlns:a14="http://schemas.microsoft.com/office/drawing/2010/main" xmlns:ma14="http://schemas.microsoft.com/office/mac/drawingml/2011/main" val="1"/>
             </a:ext>
           </a:extLst>
         </p:spPr>
@@ -6564,7 +6567,7 @@
           </a:ln>
           <a:extLst>
             <a:ext uri="{C572A759-6A51-4108-AA02-DFA0A04FC94B}">
-              <ma14:wrappingTextBoxFlag xmlns:ma14="http://schemas.microsoft.com/office/mac/drawingml/2011/main" xmlns:a14="http://schemas.microsoft.com/office/drawing/2010/main" xmlns:m="http://schemas.openxmlformats.org/officeDocument/2006/math" xmlns="" val="1"/>
+              <ma14:wrappingTextBoxFlag xmlns="" xmlns:m="http://schemas.openxmlformats.org/officeDocument/2006/math" xmlns:a14="http://schemas.microsoft.com/office/drawing/2010/main" xmlns:ma14="http://schemas.microsoft.com/office/mac/drawingml/2011/main" val="1"/>
             </a:ext>
           </a:extLst>
         </p:spPr>
@@ -6701,14 +6704,20 @@
             <a:r>
               <a:rPr kumimoji="1" lang="en-US" altLang="ko-KR" b="1" dirty="0">
                 <a:solidFill>
-                  <a:srgbClr val="2E5766"/>
+                  <a:schemeClr val="tx1">
+                    <a:lumMod val="65000"/>
+                    <a:lumOff val="35000"/>
+                  </a:schemeClr>
                 </a:solidFill>
               </a:rPr>
               <a:t>Title 4</a:t>
             </a:r>
             <a:endParaRPr kumimoji="1" lang="ko-KR" altLang="en-US" b="1" dirty="0">
               <a:solidFill>
-                <a:srgbClr val="2E5766"/>
+                <a:schemeClr val="tx1">
+                  <a:lumMod val="65000"/>
+                  <a:lumOff val="35000"/>
+                </a:schemeClr>
               </a:solidFill>
             </a:endParaRPr>
           </a:p>
@@ -6749,14 +6758,20 @@
             <a:r>
               <a:rPr kumimoji="1" lang="en-US" altLang="ko-KR" b="1" dirty="0">
                 <a:solidFill>
-                  <a:srgbClr val="2E5766"/>
+                  <a:schemeClr val="tx1">
+                    <a:lumMod val="65000"/>
+                    <a:lumOff val="35000"/>
+                  </a:schemeClr>
                 </a:solidFill>
               </a:rPr>
               <a:t>Title 3</a:t>
             </a:r>
             <a:endParaRPr kumimoji="1" lang="ko-KR" altLang="en-US" b="1" dirty="0">
               <a:solidFill>
-                <a:srgbClr val="2E5766"/>
+                <a:schemeClr val="tx1">
+                  <a:lumMod val="65000"/>
+                  <a:lumOff val="35000"/>
+                </a:schemeClr>
               </a:solidFill>
             </a:endParaRPr>
           </a:p>
@@ -6797,14 +6812,20 @@
             <a:r>
               <a:rPr kumimoji="1" lang="en-US" altLang="ko-KR" b="1" dirty="0">
                 <a:solidFill>
-                  <a:srgbClr val="2E5766"/>
+                  <a:schemeClr val="tx1">
+                    <a:lumMod val="65000"/>
+                    <a:lumOff val="35000"/>
+                  </a:schemeClr>
                 </a:solidFill>
               </a:rPr>
               <a:t>Title 2</a:t>
             </a:r>
             <a:endParaRPr kumimoji="1" lang="ko-KR" altLang="en-US" b="1" dirty="0">
               <a:solidFill>
-                <a:srgbClr val="2E5766"/>
+                <a:schemeClr val="tx1">
+                  <a:lumMod val="65000"/>
+                  <a:lumOff val="35000"/>
+                </a:schemeClr>
               </a:solidFill>
             </a:endParaRPr>
           </a:p>
@@ -6845,14 +6866,20 @@
             <a:r>
               <a:rPr kumimoji="1" lang="en-US" altLang="ko-KR" b="1" dirty="0">
                 <a:solidFill>
-                  <a:srgbClr val="2E5766"/>
+                  <a:schemeClr val="tx1">
+                    <a:lumMod val="65000"/>
+                    <a:lumOff val="35000"/>
+                  </a:schemeClr>
                 </a:solidFill>
               </a:rPr>
               <a:t>Title 1</a:t>
             </a:r>
             <a:endParaRPr kumimoji="1" lang="ko-KR" altLang="en-US" b="1" dirty="0">
               <a:solidFill>
-                <a:srgbClr val="2E5766"/>
+                <a:schemeClr val="tx1">
+                  <a:lumMod val="65000"/>
+                  <a:lumOff val="35000"/>
+                </a:schemeClr>
               </a:solidFill>
             </a:endParaRPr>
           </a:p>
@@ -7078,14 +7105,20 @@
             <a:r>
               <a:rPr kumimoji="1" lang="en-US" altLang="ko-KR" b="1" dirty="0">
                 <a:solidFill>
-                  <a:srgbClr val="2E5766"/>
+                  <a:schemeClr val="tx1">
+                    <a:lumMod val="65000"/>
+                    <a:lumOff val="35000"/>
+                  </a:schemeClr>
                 </a:solidFill>
               </a:rPr>
               <a:t>Title 5</a:t>
             </a:r>
             <a:endParaRPr kumimoji="1" lang="ko-KR" altLang="en-US" b="1" dirty="0">
               <a:solidFill>
-                <a:srgbClr val="2E5766"/>
+                <a:schemeClr val="tx1">
+                  <a:lumMod val="65000"/>
+                  <a:lumOff val="35000"/>
+                </a:schemeClr>
               </a:solidFill>
             </a:endParaRPr>
           </a:p>
@@ -7126,14 +7159,20 @@
             <a:r>
               <a:rPr kumimoji="1" lang="en-US" altLang="ko-KR" b="1" dirty="0">
                 <a:solidFill>
-                  <a:srgbClr val="2E5766"/>
+                  <a:schemeClr val="tx1">
+                    <a:lumMod val="65000"/>
+                    <a:lumOff val="35000"/>
+                  </a:schemeClr>
                 </a:solidFill>
               </a:rPr>
               <a:t>Title 4</a:t>
             </a:r>
             <a:endParaRPr kumimoji="1" lang="ko-KR" altLang="en-US" b="1" dirty="0">
               <a:solidFill>
-                <a:srgbClr val="2E5766"/>
+                <a:schemeClr val="tx1">
+                  <a:lumMod val="65000"/>
+                  <a:lumOff val="35000"/>
+                </a:schemeClr>
               </a:solidFill>
             </a:endParaRPr>
           </a:p>
@@ -7174,14 +7213,20 @@
             <a:r>
               <a:rPr kumimoji="1" lang="en-US" altLang="ko-KR" b="1" dirty="0">
                 <a:solidFill>
-                  <a:srgbClr val="2E5766"/>
+                  <a:schemeClr val="tx1">
+                    <a:lumMod val="65000"/>
+                    <a:lumOff val="35000"/>
+                  </a:schemeClr>
                 </a:solidFill>
               </a:rPr>
               <a:t>Title 3</a:t>
             </a:r>
             <a:endParaRPr kumimoji="1" lang="ko-KR" altLang="en-US" b="1" dirty="0">
               <a:solidFill>
-                <a:srgbClr val="2E5766"/>
+                <a:schemeClr val="tx1">
+                  <a:lumMod val="65000"/>
+                  <a:lumOff val="35000"/>
+                </a:schemeClr>
               </a:solidFill>
             </a:endParaRPr>
           </a:p>
@@ -7222,14 +7267,20 @@
             <a:r>
               <a:rPr kumimoji="1" lang="en-US" altLang="ko-KR" b="1" dirty="0">
                 <a:solidFill>
-                  <a:srgbClr val="2E5766"/>
+                  <a:schemeClr val="tx1">
+                    <a:lumMod val="65000"/>
+                    <a:lumOff val="35000"/>
+                  </a:schemeClr>
                 </a:solidFill>
               </a:rPr>
               <a:t>Title 2</a:t>
             </a:r>
             <a:endParaRPr kumimoji="1" lang="ko-KR" altLang="en-US" b="1" dirty="0">
               <a:solidFill>
-                <a:srgbClr val="2E5766"/>
+                <a:schemeClr val="tx1">
+                  <a:lumMod val="65000"/>
+                  <a:lumOff val="35000"/>
+                </a:schemeClr>
               </a:solidFill>
             </a:endParaRPr>
           </a:p>
@@ -7262,7 +7313,7 @@
           </a:ln>
           <a:extLst>
             <a:ext uri="{C572A759-6A51-4108-AA02-DFA0A04FC94B}">
-              <ma14:wrappingTextBoxFlag xmlns:ma14="http://schemas.microsoft.com/office/mac/drawingml/2011/main" xmlns:a14="http://schemas.microsoft.com/office/drawing/2010/main" xmlns:m="http://schemas.openxmlformats.org/officeDocument/2006/math" xmlns="" val="1"/>
+              <ma14:wrappingTextBoxFlag xmlns="" xmlns:m="http://schemas.openxmlformats.org/officeDocument/2006/math" xmlns:a14="http://schemas.microsoft.com/office/drawing/2010/main" xmlns:ma14="http://schemas.microsoft.com/office/mac/drawingml/2011/main" val="1"/>
             </a:ext>
           </a:extLst>
         </p:spPr>
@@ -7550,14 +7601,20 @@
             <a:r>
               <a:rPr kumimoji="1" lang="en-US" altLang="ko-KR" b="1" dirty="0">
                 <a:solidFill>
-                  <a:srgbClr val="2E5766"/>
+                  <a:schemeClr val="tx1">
+                    <a:lumMod val="65000"/>
+                    <a:lumOff val="35000"/>
+                  </a:schemeClr>
                 </a:solidFill>
               </a:rPr>
               <a:t>Title 1</a:t>
             </a:r>
             <a:endParaRPr kumimoji="1" lang="ko-KR" altLang="en-US" b="1" dirty="0">
               <a:solidFill>
-                <a:srgbClr val="2E5766"/>
+                <a:schemeClr val="tx1">
+                  <a:lumMod val="65000"/>
+                  <a:lumOff val="35000"/>
+                </a:schemeClr>
               </a:solidFill>
             </a:endParaRPr>
           </a:p>
@@ -7698,7 +7755,7 @@
           </a:ln>
           <a:extLst>
             <a:ext uri="{C572A759-6A51-4108-AA02-DFA0A04FC94B}">
-              <ma14:wrappingTextBoxFlag xmlns:ma14="http://schemas.microsoft.com/office/mac/drawingml/2011/main" xmlns:a14="http://schemas.microsoft.com/office/drawing/2010/main" xmlns:m="http://schemas.openxmlformats.org/officeDocument/2006/math" xmlns="" val="1"/>
+              <ma14:wrappingTextBoxFlag xmlns="" xmlns:m="http://schemas.openxmlformats.org/officeDocument/2006/math" xmlns:a14="http://schemas.microsoft.com/office/drawing/2010/main" xmlns:ma14="http://schemas.microsoft.com/office/mac/drawingml/2011/main" val="1"/>
             </a:ext>
           </a:extLst>
         </p:spPr>
@@ -7986,14 +8043,20 @@
             <a:r>
               <a:rPr kumimoji="1" lang="en-US" altLang="ko-KR" b="1" dirty="0">
                 <a:solidFill>
-                  <a:srgbClr val="2E5766"/>
+                  <a:schemeClr val="tx1">
+                    <a:lumMod val="65000"/>
+                    <a:lumOff val="35000"/>
+                  </a:schemeClr>
                 </a:solidFill>
               </a:rPr>
               <a:t>Title 2</a:t>
             </a:r>
             <a:endParaRPr kumimoji="1" lang="ko-KR" altLang="en-US" b="1" dirty="0">
               <a:solidFill>
-                <a:srgbClr val="2E5766"/>
+                <a:schemeClr val="tx1">
+                  <a:lumMod val="65000"/>
+                  <a:lumOff val="35000"/>
+                </a:schemeClr>
               </a:solidFill>
             </a:endParaRPr>
           </a:p>
@@ -8034,14 +8097,20 @@
             <a:r>
               <a:rPr kumimoji="1" lang="en-US" altLang="ko-KR" b="1" dirty="0">
                 <a:solidFill>
-                  <a:srgbClr val="2E5766"/>
+                  <a:schemeClr val="tx1">
+                    <a:lumMod val="65000"/>
+                    <a:lumOff val="35000"/>
+                  </a:schemeClr>
                 </a:solidFill>
               </a:rPr>
               <a:t>Title 6</a:t>
             </a:r>
             <a:endParaRPr kumimoji="1" lang="ko-KR" altLang="en-US" b="1" dirty="0">
               <a:solidFill>
-                <a:srgbClr val="2E5766"/>
+                <a:schemeClr val="tx1">
+                  <a:lumMod val="65000"/>
+                  <a:lumOff val="35000"/>
+                </a:schemeClr>
               </a:solidFill>
             </a:endParaRPr>
           </a:p>
@@ -8082,14 +8151,20 @@
             <a:r>
               <a:rPr kumimoji="1" lang="en-US" altLang="ko-KR" b="1" dirty="0">
                 <a:solidFill>
-                  <a:srgbClr val="2E5766"/>
+                  <a:schemeClr val="tx1">
+                    <a:lumMod val="65000"/>
+                    <a:lumOff val="35000"/>
+                  </a:schemeClr>
                 </a:solidFill>
               </a:rPr>
               <a:t>Title 5</a:t>
             </a:r>
             <a:endParaRPr kumimoji="1" lang="ko-KR" altLang="en-US" b="1" dirty="0">
               <a:solidFill>
-                <a:srgbClr val="2E5766"/>
+                <a:schemeClr val="tx1">
+                  <a:lumMod val="65000"/>
+                  <a:lumOff val="35000"/>
+                </a:schemeClr>
               </a:solidFill>
             </a:endParaRPr>
           </a:p>
@@ -8130,14 +8205,20 @@
             <a:r>
               <a:rPr kumimoji="1" lang="en-US" altLang="ko-KR" b="1" dirty="0">
                 <a:solidFill>
-                  <a:srgbClr val="2E5766"/>
+                  <a:schemeClr val="tx1">
+                    <a:lumMod val="65000"/>
+                    <a:lumOff val="35000"/>
+                  </a:schemeClr>
                 </a:solidFill>
               </a:rPr>
               <a:t>Title 4</a:t>
             </a:r>
             <a:endParaRPr kumimoji="1" lang="ko-KR" altLang="en-US" b="1" dirty="0">
               <a:solidFill>
-                <a:srgbClr val="2E5766"/>
+                <a:schemeClr val="tx1">
+                  <a:lumMod val="65000"/>
+                  <a:lumOff val="35000"/>
+                </a:schemeClr>
               </a:solidFill>
             </a:endParaRPr>
           </a:p>
@@ -8178,14 +8259,20 @@
             <a:r>
               <a:rPr kumimoji="1" lang="en-US" altLang="ko-KR" b="1" dirty="0">
                 <a:solidFill>
-                  <a:srgbClr val="2E5766"/>
+                  <a:schemeClr val="tx1">
+                    <a:lumMod val="65000"/>
+                    <a:lumOff val="35000"/>
+                  </a:schemeClr>
                 </a:solidFill>
               </a:rPr>
               <a:t>Title 3</a:t>
             </a:r>
             <a:endParaRPr kumimoji="1" lang="ko-KR" altLang="en-US" b="1" dirty="0">
               <a:solidFill>
-                <a:srgbClr val="2E5766"/>
+                <a:schemeClr val="tx1">
+                  <a:lumMod val="65000"/>
+                  <a:lumOff val="35000"/>
+                </a:schemeClr>
               </a:solidFill>
             </a:endParaRPr>
           </a:p>
@@ -8218,7 +8305,7 @@
           </a:ln>
           <a:extLst>
             <a:ext uri="{C572A759-6A51-4108-AA02-DFA0A04FC94B}">
-              <ma14:wrappingTextBoxFlag xmlns:ma14="http://schemas.microsoft.com/office/mac/drawingml/2011/main" xmlns:a14="http://schemas.microsoft.com/office/drawing/2010/main" xmlns:m="http://schemas.openxmlformats.org/officeDocument/2006/math" xmlns="" val="1"/>
+              <ma14:wrappingTextBoxFlag xmlns="" xmlns:m="http://schemas.openxmlformats.org/officeDocument/2006/math" xmlns:a14="http://schemas.microsoft.com/office/drawing/2010/main" xmlns:ma14="http://schemas.microsoft.com/office/mac/drawingml/2011/main" val="1"/>
             </a:ext>
           </a:extLst>
         </p:spPr>
@@ -8506,14 +8593,20 @@
             <a:r>
               <a:rPr kumimoji="1" lang="en-US" altLang="ko-KR" b="1" dirty="0">
                 <a:solidFill>
-                  <a:srgbClr val="2E5766"/>
+                  <a:schemeClr val="tx1">
+                    <a:lumMod val="65000"/>
+                    <a:lumOff val="35000"/>
+                  </a:schemeClr>
                 </a:solidFill>
               </a:rPr>
               <a:t>Title 1</a:t>
             </a:r>
             <a:endParaRPr kumimoji="1" lang="ko-KR" altLang="en-US" b="1" dirty="0">
               <a:solidFill>
-                <a:srgbClr val="2E5766"/>
+                <a:schemeClr val="tx1">
+                  <a:lumMod val="65000"/>
+                  <a:lumOff val="35000"/>
+                </a:schemeClr>
               </a:solidFill>
             </a:endParaRPr>
           </a:p>
